--- a/docs/website template.pptx
+++ b/docs/website template.pptx
@@ -104,6 +104,11 @@
       </a:defRPr>
     </a:lvl9pPr>
   </p:defaultTextStyle>
+  <p:extLst>
+    <p:ext uri="{EFAFB233-063F-42B5-8137-9DF3F51BA10A}">
+      <p15:sldGuideLst xmlns:p15="http://schemas.microsoft.com/office/powerpoint/2012/main"/>
+    </p:ext>
+  </p:extLst>
 </p:presentation>
 </file>
 
@@ -254,7 +259,7 @@
           <a:p>
             <a:fld id="{72A28554-B4A5-4CA1-9813-86FC5337F85E}" type="datetimeFigureOut">
               <a:rPr lang="en-US" smtClean="0"/>
-              <a:t>7/28/2025</a:t>
+              <a:t>7/29/2025</a:t>
             </a:fld>
             <a:endParaRPr lang="en-US"/>
           </a:p>
@@ -452,7 +457,7 @@
           <a:p>
             <a:fld id="{72A28554-B4A5-4CA1-9813-86FC5337F85E}" type="datetimeFigureOut">
               <a:rPr lang="en-US" smtClean="0"/>
-              <a:t>7/28/2025</a:t>
+              <a:t>7/29/2025</a:t>
             </a:fld>
             <a:endParaRPr lang="en-US"/>
           </a:p>
@@ -660,7 +665,7 @@
           <a:p>
             <a:fld id="{72A28554-B4A5-4CA1-9813-86FC5337F85E}" type="datetimeFigureOut">
               <a:rPr lang="en-US" smtClean="0"/>
-              <a:t>7/28/2025</a:t>
+              <a:t>7/29/2025</a:t>
             </a:fld>
             <a:endParaRPr lang="en-US"/>
           </a:p>
@@ -858,7 +863,7 @@
           <a:p>
             <a:fld id="{72A28554-B4A5-4CA1-9813-86FC5337F85E}" type="datetimeFigureOut">
               <a:rPr lang="en-US" smtClean="0"/>
-              <a:t>7/28/2025</a:t>
+              <a:t>7/29/2025</a:t>
             </a:fld>
             <a:endParaRPr lang="en-US"/>
           </a:p>
@@ -1133,7 +1138,7 @@
           <a:p>
             <a:fld id="{72A28554-B4A5-4CA1-9813-86FC5337F85E}" type="datetimeFigureOut">
               <a:rPr lang="en-US" smtClean="0"/>
-              <a:t>7/28/2025</a:t>
+              <a:t>7/29/2025</a:t>
             </a:fld>
             <a:endParaRPr lang="en-US"/>
           </a:p>
@@ -1398,7 +1403,7 @@
           <a:p>
             <a:fld id="{72A28554-B4A5-4CA1-9813-86FC5337F85E}" type="datetimeFigureOut">
               <a:rPr lang="en-US" smtClean="0"/>
-              <a:t>7/28/2025</a:t>
+              <a:t>7/29/2025</a:t>
             </a:fld>
             <a:endParaRPr lang="en-US"/>
           </a:p>
@@ -1810,7 +1815,7 @@
           <a:p>
             <a:fld id="{72A28554-B4A5-4CA1-9813-86FC5337F85E}" type="datetimeFigureOut">
               <a:rPr lang="en-US" smtClean="0"/>
-              <a:t>7/28/2025</a:t>
+              <a:t>7/29/2025</a:t>
             </a:fld>
             <a:endParaRPr lang="en-US"/>
           </a:p>
@@ -1951,7 +1956,7 @@
           <a:p>
             <a:fld id="{72A28554-B4A5-4CA1-9813-86FC5337F85E}" type="datetimeFigureOut">
               <a:rPr lang="en-US" smtClean="0"/>
-              <a:t>7/28/2025</a:t>
+              <a:t>7/29/2025</a:t>
             </a:fld>
             <a:endParaRPr lang="en-US"/>
           </a:p>
@@ -2064,7 +2069,7 @@
           <a:p>
             <a:fld id="{72A28554-B4A5-4CA1-9813-86FC5337F85E}" type="datetimeFigureOut">
               <a:rPr lang="en-US" smtClean="0"/>
-              <a:t>7/28/2025</a:t>
+              <a:t>7/29/2025</a:t>
             </a:fld>
             <a:endParaRPr lang="en-US"/>
           </a:p>
@@ -2375,7 +2380,7 @@
           <a:p>
             <a:fld id="{72A28554-B4A5-4CA1-9813-86FC5337F85E}" type="datetimeFigureOut">
               <a:rPr lang="en-US" smtClean="0"/>
-              <a:t>7/28/2025</a:t>
+              <a:t>7/29/2025</a:t>
             </a:fld>
             <a:endParaRPr lang="en-US"/>
           </a:p>
@@ -2663,7 +2668,7 @@
           <a:p>
             <a:fld id="{72A28554-B4A5-4CA1-9813-86FC5337F85E}" type="datetimeFigureOut">
               <a:rPr lang="en-US" smtClean="0"/>
-              <a:t>7/28/2025</a:t>
+              <a:t>7/29/2025</a:t>
             </a:fld>
             <a:endParaRPr lang="en-US"/>
           </a:p>
@@ -2904,7 +2909,7 @@
           <a:p>
             <a:fld id="{72A28554-B4A5-4CA1-9813-86FC5337F85E}" type="datetimeFigureOut">
               <a:rPr lang="en-US" smtClean="0"/>
-              <a:t>7/28/2025</a:t>
+              <a:t>7/29/2025</a:t>
             </a:fld>
             <a:endParaRPr lang="en-US"/>
           </a:p>
@@ -3371,7 +3376,7 @@
           <a:lstStyle/>
           <a:p>
             <a:pPr algn="ctr"/>
-            <a:endParaRPr lang="en-US"/>
+            <a:endParaRPr lang="en-US" dirty="0"/>
           </a:p>
         </p:txBody>
       </p:sp>
@@ -3389,8 +3394,8 @@
         </p:nvSpPr>
         <p:spPr>
           <a:xfrm>
-            <a:off x="6653719" y="710119"/>
-            <a:ext cx="5197813" cy="5603132"/>
+            <a:off x="6653719" y="535020"/>
+            <a:ext cx="5197813" cy="5872265"/>
           </a:xfrm>
           <a:prstGeom prst="rect">
             <a:avLst/>
@@ -3457,8 +3462,8 @@
         </p:nvSpPr>
         <p:spPr>
           <a:xfrm>
-            <a:off x="671204" y="2315182"/>
-            <a:ext cx="5659879" cy="424775"/>
+            <a:off x="1655778" y="1944064"/>
+            <a:ext cx="3574330" cy="424775"/>
           </a:xfrm>
           <a:prstGeom prst="rect">
             <a:avLst/>
@@ -3509,8 +3514,8 @@
         </p:nvSpPr>
         <p:spPr>
           <a:xfrm>
-            <a:off x="671205" y="2908569"/>
-            <a:ext cx="5659879" cy="1512653"/>
+            <a:off x="554477" y="2558367"/>
+            <a:ext cx="5898204" cy="1512653"/>
           </a:xfrm>
           <a:prstGeom prst="rect">
             <a:avLst/>
@@ -3545,7 +3550,7 @@
             <a:pPr algn="ctr"/>
             <a:r>
               <a:rPr lang="en-US" dirty="0"/>
-              <a:t>Subscribed topic logs</a:t>
+              <a:t>Subscribed topic output</a:t>
             </a:r>
           </a:p>
         </p:txBody>
@@ -3564,62 +3569,8 @@
         </p:nvSpPr>
         <p:spPr>
           <a:xfrm>
-            <a:off x="691473" y="4620639"/>
-            <a:ext cx="5639611" cy="424775"/>
-          </a:xfrm>
-          <a:prstGeom prst="rect">
-            <a:avLst/>
-          </a:prstGeom>
-          <a:solidFill>
-            <a:schemeClr val="accent5">
-              <a:lumMod val="75000"/>
-            </a:schemeClr>
-          </a:solidFill>
-        </p:spPr>
-        <p:style>
-          <a:lnRef idx="2">
-            <a:schemeClr val="accent1">
-              <a:shade val="15000"/>
-            </a:schemeClr>
-          </a:lnRef>
-          <a:fillRef idx="1">
-            <a:schemeClr val="accent1"/>
-          </a:fillRef>
-          <a:effectRef idx="0">
-            <a:schemeClr val="accent1"/>
-          </a:effectRef>
-          <a:fontRef idx="minor">
-            <a:schemeClr val="lt1"/>
-          </a:fontRef>
-        </p:style>
-        <p:txBody>
-          <a:bodyPr rtlCol="0" anchor="ctr"/>
-          <a:lstStyle/>
-          <a:p>
-            <a:pPr algn="ctr"/>
-            <a:r>
-              <a:rPr lang="en-US" dirty="0"/>
-              <a:t>Topic name to publish on</a:t>
-            </a:r>
-          </a:p>
-        </p:txBody>
-      </p:sp>
-      <p:sp>
-        <p:nvSpPr>
-          <p:cNvPr id="7" name="Rectangle 6">
-            <a:extLst>
-              <a:ext uri="{FF2B5EF4-FFF2-40B4-BE49-F238E27FC236}">
-                <a16:creationId xmlns:a16="http://schemas.microsoft.com/office/drawing/2014/main" id="{851D6EB9-B8FC-D57E-1232-470595F4E500}"/>
-              </a:ext>
-            </a:extLst>
-          </p:cNvPr>
-          <p:cNvSpPr/>
-          <p:nvPr/>
-        </p:nvSpPr>
-        <p:spPr>
-          <a:xfrm>
-            <a:off x="691473" y="5214026"/>
-            <a:ext cx="5639611" cy="1099225"/>
+            <a:off x="1524995" y="4601029"/>
+            <a:ext cx="4927685" cy="424775"/>
           </a:xfrm>
           <a:prstGeom prst="rect">
             <a:avLst/>
@@ -3654,17 +3605,17 @@
             <a:pPr algn="ctr"/>
             <a:r>
               <a:rPr lang="en-US" dirty="0"/>
-              <a:t>Payload to publish</a:t>
-            </a:r>
-          </a:p>
-        </p:txBody>
-      </p:sp>
-      <p:sp>
-        <p:nvSpPr>
-          <p:cNvPr id="9" name="Rectangle 8">
-            <a:extLst>
-              <a:ext uri="{FF2B5EF4-FFF2-40B4-BE49-F238E27FC236}">
-                <a16:creationId xmlns:a16="http://schemas.microsoft.com/office/drawing/2014/main" id="{61DC60C0-08D7-41E4-456F-021393834884}"/>
+              <a:t>Topic name to publish on</a:t>
+            </a:r>
+          </a:p>
+        </p:txBody>
+      </p:sp>
+      <p:sp>
+        <p:nvSpPr>
+          <p:cNvPr id="7" name="Rectangle 6">
+            <a:extLst>
+              <a:ext uri="{FF2B5EF4-FFF2-40B4-BE49-F238E27FC236}">
+                <a16:creationId xmlns:a16="http://schemas.microsoft.com/office/drawing/2014/main" id="{851D6EB9-B8FC-D57E-1232-470595F4E500}"/>
               </a:ext>
             </a:extLst>
           </p:cNvPr>
@@ -3673,8 +3624,63 @@
         </p:nvSpPr>
         <p:spPr>
           <a:xfrm>
-            <a:off x="691473" y="698769"/>
-            <a:ext cx="5659879" cy="424775"/>
+            <a:off x="691473" y="5214027"/>
+            <a:ext cx="5761207" cy="671208"/>
+          </a:xfrm>
+          <a:prstGeom prst="rect">
+            <a:avLst/>
+          </a:prstGeom>
+          <a:solidFill>
+            <a:schemeClr val="accent5">
+              <a:lumMod val="60000"/>
+              <a:lumOff val="40000"/>
+            </a:schemeClr>
+          </a:solidFill>
+        </p:spPr>
+        <p:style>
+          <a:lnRef idx="2">
+            <a:schemeClr val="accent1">
+              <a:shade val="15000"/>
+            </a:schemeClr>
+          </a:lnRef>
+          <a:fillRef idx="1">
+            <a:schemeClr val="accent1"/>
+          </a:fillRef>
+          <a:effectRef idx="0">
+            <a:schemeClr val="accent1"/>
+          </a:effectRef>
+          <a:fontRef idx="minor">
+            <a:schemeClr val="lt1"/>
+          </a:fontRef>
+        </p:style>
+        <p:txBody>
+          <a:bodyPr rtlCol="0" anchor="ctr"/>
+          <a:lstStyle/>
+          <a:p>
+            <a:pPr algn="ctr"/>
+            <a:r>
+              <a:rPr lang="en-US" dirty="0"/>
+              <a:t>Payload to publish</a:t>
+            </a:r>
+          </a:p>
+        </p:txBody>
+      </p:sp>
+      <p:sp>
+        <p:nvSpPr>
+          <p:cNvPr id="9" name="Rectangle 8">
+            <a:extLst>
+              <a:ext uri="{FF2B5EF4-FFF2-40B4-BE49-F238E27FC236}">
+                <a16:creationId xmlns:a16="http://schemas.microsoft.com/office/drawing/2014/main" id="{61DC60C0-08D7-41E4-456F-021393834884}"/>
+              </a:ext>
+            </a:extLst>
+          </p:cNvPr>
+          <p:cNvSpPr/>
+          <p:nvPr/>
+        </p:nvSpPr>
+        <p:spPr>
+          <a:xfrm>
+            <a:off x="1692711" y="553013"/>
+            <a:ext cx="1847304" cy="424775"/>
           </a:xfrm>
           <a:prstGeom prst="rect">
             <a:avLst/>
@@ -3709,15 +3715,7 @@
             <a:pPr algn="ctr"/>
             <a:r>
               <a:rPr lang="en-US" dirty="0"/>
-              <a:t>Broker </a:t>
-            </a:r>
-            <a:r>
-              <a:rPr lang="en-US" dirty="0" err="1"/>
-              <a:t>IP:port</a:t>
-            </a:r>
-            <a:r>
-              <a:rPr lang="en-US" dirty="0"/>
-              <a:t> to connect</a:t>
+              <a:t>input</a:t>
             </a:r>
           </a:p>
         </p:txBody>
@@ -3736,8 +3734,8 @@
         </p:nvSpPr>
         <p:spPr>
           <a:xfrm>
-            <a:off x="714978" y="1398350"/>
-            <a:ext cx="1536161" cy="642026"/>
+            <a:off x="5370287" y="535021"/>
+            <a:ext cx="1082394" cy="442767"/>
           </a:xfrm>
           <a:prstGeom prst="roundRect">
             <a:avLst/>
@@ -3768,9 +3766,10 @@
           <a:p>
             <a:pPr algn="ctr"/>
             <a:r>
-              <a:rPr lang="en-US" dirty="0"/>
+              <a:rPr lang="en-US" sz="1600" dirty="0"/>
               <a:t>Connect</a:t>
             </a:r>
+            <a:endParaRPr lang="en-US" dirty="0"/>
           </a:p>
         </p:txBody>
       </p:sp>
@@ -3788,8 +3787,8 @@
         </p:nvSpPr>
         <p:spPr>
           <a:xfrm>
-            <a:off x="2694558" y="1398350"/>
-            <a:ext cx="1536161" cy="642026"/>
+            <a:off x="5370287" y="1949862"/>
+            <a:ext cx="1082394" cy="449988"/>
           </a:xfrm>
           <a:prstGeom prst="roundRect">
             <a:avLst/>
@@ -3822,7 +3821,7 @@
           <a:p>
             <a:pPr algn="ctr"/>
             <a:r>
-              <a:rPr lang="en-US" dirty="0"/>
+              <a:rPr lang="en-US" sz="1400" dirty="0"/>
               <a:t>Subscribe</a:t>
             </a:r>
           </a:p>
@@ -3842,14 +3841,103 @@
         </p:nvSpPr>
         <p:spPr>
           <a:xfrm>
-            <a:off x="4794922" y="1398350"/>
-            <a:ext cx="1536161" cy="642026"/>
+            <a:off x="691473" y="5992238"/>
+            <a:ext cx="5739098" cy="415053"/>
           </a:xfrm>
           <a:prstGeom prst="roundRect">
             <a:avLst/>
           </a:prstGeom>
           <a:solidFill>
-            <a:schemeClr val="accent3">
+            <a:schemeClr val="accent5">
+              <a:lumMod val="75000"/>
+            </a:schemeClr>
+          </a:solidFill>
+        </p:spPr>
+        <p:style>
+          <a:lnRef idx="2">
+            <a:schemeClr val="accent1">
+              <a:shade val="15000"/>
+            </a:schemeClr>
+          </a:lnRef>
+          <a:fillRef idx="1">
+            <a:schemeClr val="accent1"/>
+          </a:fillRef>
+          <a:effectRef idx="0">
+            <a:schemeClr val="accent1"/>
+          </a:effectRef>
+          <a:fontRef idx="minor">
+            <a:schemeClr val="lt1"/>
+          </a:fontRef>
+        </p:style>
+        <p:txBody>
+          <a:bodyPr rtlCol="0" anchor="ctr"/>
+          <a:lstStyle/>
+          <a:p>
+            <a:pPr algn="ctr"/>
+            <a:r>
+              <a:rPr lang="en-US" dirty="0"/>
+              <a:t>Publish</a:t>
+            </a:r>
+          </a:p>
+        </p:txBody>
+      </p:sp>
+      <p:sp>
+        <p:nvSpPr>
+          <p:cNvPr id="8" name="TextBox 7">
+            <a:extLst>
+              <a:ext uri="{FF2B5EF4-FFF2-40B4-BE49-F238E27FC236}">
+                <a16:creationId xmlns:a16="http://schemas.microsoft.com/office/drawing/2014/main" id="{15471321-88BA-2A04-DEF6-6255C244CABE}"/>
+              </a:ext>
+            </a:extLst>
+          </p:cNvPr>
+          <p:cNvSpPr txBox="1"/>
+          <p:nvPr/>
+        </p:nvSpPr>
+        <p:spPr>
+          <a:xfrm>
+            <a:off x="466029" y="587540"/>
+            <a:ext cx="1226682" cy="369332"/>
+          </a:xfrm>
+          <a:prstGeom prst="rect">
+            <a:avLst/>
+          </a:prstGeom>
+          <a:noFill/>
+        </p:spPr>
+        <p:txBody>
+          <a:bodyPr wrap="none" rtlCol="0">
+            <a:spAutoFit/>
+          </a:bodyPr>
+          <a:lstStyle/>
+          <a:p>
+            <a:r>
+              <a:rPr lang="en-US" dirty="0"/>
+              <a:t>IP address</a:t>
+            </a:r>
+          </a:p>
+        </p:txBody>
+      </p:sp>
+      <p:sp>
+        <p:nvSpPr>
+          <p:cNvPr id="10" name="Rectangle 9">
+            <a:extLst>
+              <a:ext uri="{FF2B5EF4-FFF2-40B4-BE49-F238E27FC236}">
+                <a16:creationId xmlns:a16="http://schemas.microsoft.com/office/drawing/2014/main" id="{978AD62A-DCDF-600A-ACD6-0015D735B0D6}"/>
+              </a:ext>
+            </a:extLst>
+          </p:cNvPr>
+          <p:cNvSpPr/>
+          <p:nvPr/>
+        </p:nvSpPr>
+        <p:spPr>
+          <a:xfrm>
+            <a:off x="4155826" y="544749"/>
+            <a:ext cx="1074282" cy="424775"/>
+          </a:xfrm>
+          <a:prstGeom prst="rect">
+            <a:avLst/>
+          </a:prstGeom>
+          <a:solidFill>
+            <a:schemeClr val="accent6">
               <a:lumMod val="60000"/>
               <a:lumOff val="40000"/>
             </a:schemeClr>
@@ -3876,6 +3964,242 @@
           <a:lstStyle/>
           <a:p>
             <a:pPr algn="ctr"/>
+            <a:r>
+              <a:rPr lang="en-US" dirty="0"/>
+              <a:t>input</a:t>
+            </a:r>
+          </a:p>
+        </p:txBody>
+      </p:sp>
+      <p:sp>
+        <p:nvSpPr>
+          <p:cNvPr id="11" name="TextBox 10">
+            <a:extLst>
+              <a:ext uri="{FF2B5EF4-FFF2-40B4-BE49-F238E27FC236}">
+                <a16:creationId xmlns:a16="http://schemas.microsoft.com/office/drawing/2014/main" id="{69301D20-CC9D-AAB1-0086-EBB72AAF0EBA}"/>
+              </a:ext>
+            </a:extLst>
+          </p:cNvPr>
+          <p:cNvSpPr txBox="1"/>
+          <p:nvPr/>
+        </p:nvSpPr>
+        <p:spPr>
+          <a:xfrm>
+            <a:off x="3568659" y="580734"/>
+            <a:ext cx="587981" cy="369332"/>
+          </a:xfrm>
+          <a:prstGeom prst="rect">
+            <a:avLst/>
+          </a:prstGeom>
+          <a:noFill/>
+        </p:spPr>
+        <p:txBody>
+          <a:bodyPr wrap="none" rtlCol="0">
+            <a:spAutoFit/>
+          </a:bodyPr>
+          <a:lstStyle/>
+          <a:p>
+            <a:r>
+              <a:rPr lang="en-US" dirty="0"/>
+              <a:t>Port</a:t>
+            </a:r>
+          </a:p>
+        </p:txBody>
+      </p:sp>
+      <p:sp>
+        <p:nvSpPr>
+          <p:cNvPr id="12" name="Rectangle 11">
+            <a:extLst>
+              <a:ext uri="{FF2B5EF4-FFF2-40B4-BE49-F238E27FC236}">
+                <a16:creationId xmlns:a16="http://schemas.microsoft.com/office/drawing/2014/main" id="{29D6B153-B6D1-034F-49CD-14FF31E1AE6F}"/>
+              </a:ext>
+            </a:extLst>
+          </p:cNvPr>
+          <p:cNvSpPr/>
+          <p:nvPr/>
+        </p:nvSpPr>
+        <p:spPr>
+          <a:xfrm>
+            <a:off x="554477" y="1118678"/>
+            <a:ext cx="5898204" cy="424775"/>
+          </a:xfrm>
+          <a:prstGeom prst="rect">
+            <a:avLst/>
+          </a:prstGeom>
+          <a:solidFill>
+            <a:schemeClr val="accent6">
+              <a:lumMod val="60000"/>
+              <a:lumOff val="40000"/>
+            </a:schemeClr>
+          </a:solidFill>
+        </p:spPr>
+        <p:style>
+          <a:lnRef idx="2">
+            <a:schemeClr val="accent1">
+              <a:shade val="15000"/>
+            </a:schemeClr>
+          </a:lnRef>
+          <a:fillRef idx="1">
+            <a:schemeClr val="accent1"/>
+          </a:fillRef>
+          <a:effectRef idx="0">
+            <a:schemeClr val="accent1"/>
+          </a:effectRef>
+          <a:fontRef idx="minor">
+            <a:schemeClr val="lt1"/>
+          </a:fontRef>
+        </p:style>
+        <p:txBody>
+          <a:bodyPr rtlCol="0" anchor="ctr"/>
+          <a:lstStyle/>
+          <a:p>
+            <a:pPr algn="ctr"/>
+            <a:r>
+              <a:rPr lang="en-US" dirty="0"/>
+              <a:t>Connection Status</a:t>
+            </a:r>
+          </a:p>
+        </p:txBody>
+      </p:sp>
+      <p:sp>
+        <p:nvSpPr>
+          <p:cNvPr id="16" name="TextBox 15">
+            <a:extLst>
+              <a:ext uri="{FF2B5EF4-FFF2-40B4-BE49-F238E27FC236}">
+                <a16:creationId xmlns:a16="http://schemas.microsoft.com/office/drawing/2014/main" id="{D8D843AA-6F77-2E71-6D3D-1C4F719FBA4C}"/>
+              </a:ext>
+            </a:extLst>
+          </p:cNvPr>
+          <p:cNvSpPr txBox="1"/>
+          <p:nvPr/>
+        </p:nvSpPr>
+        <p:spPr>
+          <a:xfrm>
+            <a:off x="466029" y="1971786"/>
+            <a:ext cx="1189749" cy="369332"/>
+          </a:xfrm>
+          <a:prstGeom prst="rect">
+            <a:avLst/>
+          </a:prstGeom>
+          <a:noFill/>
+        </p:spPr>
+        <p:txBody>
+          <a:bodyPr wrap="none" rtlCol="0">
+            <a:spAutoFit/>
+          </a:bodyPr>
+          <a:lstStyle/>
+          <a:p>
+            <a:r>
+              <a:rPr lang="en-US" dirty="0"/>
+              <a:t>Subscribe</a:t>
+            </a:r>
+          </a:p>
+        </p:txBody>
+      </p:sp>
+      <p:cxnSp>
+        <p:nvCxnSpPr>
+          <p:cNvPr id="18" name="Straight Connector 17">
+            <a:extLst>
+              <a:ext uri="{FF2B5EF4-FFF2-40B4-BE49-F238E27FC236}">
+                <a16:creationId xmlns:a16="http://schemas.microsoft.com/office/drawing/2014/main" id="{D9327F0C-E577-EAD1-94E9-68EF20908DEC}"/>
+              </a:ext>
+            </a:extLst>
+          </p:cNvPr>
+          <p:cNvCxnSpPr>
+            <a:cxnSpLocks/>
+          </p:cNvCxnSpPr>
+          <p:nvPr/>
+        </p:nvCxnSpPr>
+        <p:spPr>
+          <a:xfrm>
+            <a:off x="554477" y="1770434"/>
+            <a:ext cx="5898204" cy="0"/>
+          </a:xfrm>
+          <a:prstGeom prst="line">
+            <a:avLst/>
+          </a:prstGeom>
+        </p:spPr>
+        <p:style>
+          <a:lnRef idx="2">
+            <a:schemeClr val="accent1"/>
+          </a:lnRef>
+          <a:fillRef idx="0">
+            <a:schemeClr val="accent1"/>
+          </a:fillRef>
+          <a:effectRef idx="1">
+            <a:schemeClr val="accent1"/>
+          </a:effectRef>
+          <a:fontRef idx="minor">
+            <a:schemeClr val="tx1"/>
+          </a:fontRef>
+        </p:style>
+      </p:cxnSp>
+      <p:cxnSp>
+        <p:nvCxnSpPr>
+          <p:cNvPr id="21" name="Straight Connector 20">
+            <a:extLst>
+              <a:ext uri="{FF2B5EF4-FFF2-40B4-BE49-F238E27FC236}">
+                <a16:creationId xmlns:a16="http://schemas.microsoft.com/office/drawing/2014/main" id="{EAC763FD-4F9E-7B23-4BEE-84A000A04C52}"/>
+              </a:ext>
+            </a:extLst>
+          </p:cNvPr>
+          <p:cNvCxnSpPr>
+            <a:cxnSpLocks/>
+          </p:cNvCxnSpPr>
+          <p:nvPr/>
+        </p:nvCxnSpPr>
+        <p:spPr>
+          <a:xfrm>
+            <a:off x="532367" y="4374204"/>
+            <a:ext cx="5898204" cy="0"/>
+          </a:xfrm>
+          <a:prstGeom prst="line">
+            <a:avLst/>
+          </a:prstGeom>
+        </p:spPr>
+        <p:style>
+          <a:lnRef idx="2">
+            <a:schemeClr val="accent1"/>
+          </a:lnRef>
+          <a:fillRef idx="0">
+            <a:schemeClr val="accent1"/>
+          </a:fillRef>
+          <a:effectRef idx="1">
+            <a:schemeClr val="accent1"/>
+          </a:effectRef>
+          <a:fontRef idx="minor">
+            <a:schemeClr val="tx1"/>
+          </a:fontRef>
+        </p:style>
+      </p:cxnSp>
+      <p:sp>
+        <p:nvSpPr>
+          <p:cNvPr id="22" name="TextBox 21">
+            <a:extLst>
+              <a:ext uri="{FF2B5EF4-FFF2-40B4-BE49-F238E27FC236}">
+                <a16:creationId xmlns:a16="http://schemas.microsoft.com/office/drawing/2014/main" id="{7D450230-CB02-3346-A608-7B4792211C12}"/>
+              </a:ext>
+            </a:extLst>
+          </p:cNvPr>
+          <p:cNvSpPr txBox="1"/>
+          <p:nvPr/>
+        </p:nvSpPr>
+        <p:spPr>
+          <a:xfrm>
+            <a:off x="554477" y="4628751"/>
+            <a:ext cx="921471" cy="369332"/>
+          </a:xfrm>
+          <a:prstGeom prst="rect">
+            <a:avLst/>
+          </a:prstGeom>
+          <a:noFill/>
+        </p:spPr>
+        <p:txBody>
+          <a:bodyPr wrap="none" rtlCol="0">
+            <a:spAutoFit/>
+          </a:bodyPr>
+          <a:lstStyle/>
+          <a:p>
             <a:r>
               <a:rPr lang="en-US" dirty="0"/>
               <a:t>Publish</a:t>
